--- a/HandsOn/Group22/Presentacion/PresentaciónWebSemanticFinal.pptx
+++ b/HandsOn/Group22/Presentacion/PresentaciónWebSemanticFinal.pptx
@@ -21,6 +21,7 @@
     <p:sldId id="265" r:id="rId15"/>
     <p:sldId id="266" r:id="rId16"/>
     <p:sldId id="267" r:id="rId17"/>
+    <p:sldId id="268" r:id="rId18"/>
   </p:sldIdLst>
   <p:sldSz cy="6858000" cx="12192000"/>
   <p:notesSz cx="6858000" cy="9144000"/>
@@ -595,7 +596,7 @@
   <p:cSld>
     <p:spTree>
       <p:nvGrpSpPr>
-        <p:cNvPr id="240" name="Shape 240"/>
+        <p:cNvPr id="241" name="Shape 241"/>
         <p:cNvGrpSpPr/>
         <p:nvPr/>
       </p:nvGrpSpPr>
@@ -609,7 +610,102 @@
       </p:grpSpPr>
       <p:sp>
         <p:nvSpPr>
-          <p:cNvPr id="241" name="Shape 241"/>
+          <p:cNvPr id="242" name="Shape 242"/>
+          <p:cNvSpPr/>
+          <p:nvPr>
+            <p:ph idx="2" type="sldImg"/>
+          </p:nvPr>
+        </p:nvSpPr>
+        <p:spPr>
+          <a:xfrm>
+            <a:off x="1143225" y="685800"/>
+            <a:ext cx="4572300" cy="3429000"/>
+          </a:xfrm>
+          <a:custGeom>
+            <a:pathLst>
+              <a:path extrusionOk="0" h="120000" w="120000">
+                <a:moveTo>
+                  <a:pt x="0" y="0"/>
+                </a:moveTo>
+                <a:lnTo>
+                  <a:pt x="120000" y="0"/>
+                </a:lnTo>
+                <a:lnTo>
+                  <a:pt x="120000" y="120000"/>
+                </a:lnTo>
+                <a:lnTo>
+                  <a:pt x="0" y="120000"/>
+                </a:lnTo>
+                <a:close/>
+              </a:path>
+            </a:pathLst>
+          </a:custGeom>
+        </p:spPr>
+      </p:sp>
+      <p:sp>
+        <p:nvSpPr>
+          <p:cNvPr id="243" name="Shape 243"/>
+          <p:cNvSpPr txBox="1"/>
+          <p:nvPr>
+            <p:ph idx="1" type="body"/>
+          </p:nvPr>
+        </p:nvSpPr>
+        <p:spPr>
+          <a:xfrm>
+            <a:off x="685800" y="4343400"/>
+            <a:ext cx="5486400" cy="4114800"/>
+          </a:xfrm>
+          <a:prstGeom prst="rect">
+            <a:avLst/>
+          </a:prstGeom>
+        </p:spPr>
+        <p:txBody>
+          <a:bodyPr anchorCtr="0" anchor="t" bIns="91425" lIns="91425" rIns="91425" wrap="square" tIns="91425">
+            <a:noAutofit/>
+          </a:bodyPr>
+          <a:lstStyle/>
+          <a:p>
+            <a:pPr indent="0" lvl="0" marL="0">
+              <a:spcBef>
+                <a:spcPts val="0"/>
+              </a:spcBef>
+              <a:buNone/>
+            </a:pPr>
+            <a:r>
+              <a:t/>
+            </a:r>
+            <a:endParaRPr/>
+          </a:p>
+        </p:txBody>
+      </p:sp>
+    </p:spTree>
+  </p:cSld>
+  <p:clrMapOvr>
+    <a:masterClrMapping/>
+  </p:clrMapOvr>
+</p:notes>
+</file>
+
+<file path=ppt/notesSlides/notesSlide12.xml><?xml version="1.0" encoding="utf-8"?>
+<p:notes xmlns:a="http://schemas.openxmlformats.org/drawingml/2006/main" xmlns:r="http://schemas.openxmlformats.org/officeDocument/2006/relationships" xmlns:mc="http://schemas.openxmlformats.org/markup-compatibility/2006" xmlns:mv="urn:schemas-microsoft-com:mac:vml" xmlns:p="http://schemas.openxmlformats.org/presentationml/2006/main" xmlns:c="http://schemas.openxmlformats.org/drawingml/2006/chart" xmlns:dgm="http://schemas.openxmlformats.org/drawingml/2006/diagram" xmlns:o="urn:schemas-microsoft-com:office:office" xmlns:v="urn:schemas-microsoft-com:vml" xmlns:pvml="urn:schemas-microsoft-com:office:powerpoint" xmlns:com="http://schemas.openxmlformats.org/drawingml/2006/compatibility" xmlns:p14="http://schemas.microsoft.com/office/powerpoint/2010/main" xmlns:p15="http://schemas.microsoft.com/office/powerpoint/2012/main" showMasterPhAnim="0" showMasterSp="0">
+  <p:cSld>
+    <p:spTree>
+      <p:nvGrpSpPr>
+        <p:cNvPr id="247" name="Shape 247"/>
+        <p:cNvGrpSpPr/>
+        <p:nvPr/>
+      </p:nvGrpSpPr>
+      <p:grpSpPr>
+        <a:xfrm>
+          <a:off x="0" y="0"/>
+          <a:ext cx="0" cy="0"/>
+          <a:chOff x="0" y="0"/>
+          <a:chExt cx="0" cy="0"/>
+        </a:xfrm>
+      </p:grpSpPr>
+      <p:sp>
+        <p:nvSpPr>
+          <p:cNvPr id="248" name="Shape 248"/>
           <p:cNvSpPr txBox="1"/>
           <p:nvPr>
             <p:ph idx="1" type="body"/>
@@ -649,7 +745,7 @@
       </p:sp>
       <p:sp>
         <p:nvSpPr>
-          <p:cNvPr id="242" name="Shape 242"/>
+          <p:cNvPr id="249" name="Shape 249"/>
           <p:cNvSpPr/>
           <p:nvPr>
             <p:ph idx="2" type="sldImg"/>
@@ -689,12 +785,12 @@
 </p:notes>
 </file>
 
-<file path=ppt/notesSlides/notesSlide12.xml><?xml version="1.0" encoding="utf-8"?>
+<file path=ppt/notesSlides/notesSlide13.xml><?xml version="1.0" encoding="utf-8"?>
 <p:notes xmlns:a="http://schemas.openxmlformats.org/drawingml/2006/main" xmlns:r="http://schemas.openxmlformats.org/officeDocument/2006/relationships" xmlns:mc="http://schemas.openxmlformats.org/markup-compatibility/2006" xmlns:mv="urn:schemas-microsoft-com:mac:vml" xmlns:p="http://schemas.openxmlformats.org/presentationml/2006/main" xmlns:c="http://schemas.openxmlformats.org/drawingml/2006/chart" xmlns:dgm="http://schemas.openxmlformats.org/drawingml/2006/diagram" xmlns:o="urn:schemas-microsoft-com:office:office" xmlns:v="urn:schemas-microsoft-com:vml" xmlns:pvml="urn:schemas-microsoft-com:office:powerpoint" xmlns:com="http://schemas.openxmlformats.org/drawingml/2006/compatibility" xmlns:p14="http://schemas.microsoft.com/office/powerpoint/2010/main" xmlns:p15="http://schemas.microsoft.com/office/powerpoint/2012/main" showMasterPhAnim="0" showMasterSp="0">
   <p:cSld>
     <p:spTree>
       <p:nvGrpSpPr>
-        <p:cNvPr id="246" name="Shape 246"/>
+        <p:cNvPr id="253" name="Shape 253"/>
         <p:cNvGrpSpPr/>
         <p:nvPr/>
       </p:nvGrpSpPr>
@@ -708,7 +804,7 @@
       </p:grpSpPr>
       <p:sp>
         <p:nvSpPr>
-          <p:cNvPr id="247" name="Shape 247"/>
+          <p:cNvPr id="254" name="Shape 254"/>
           <p:cNvSpPr txBox="1"/>
           <p:nvPr>
             <p:ph idx="1" type="body"/>
@@ -748,7 +844,7 @@
       </p:sp>
       <p:sp>
         <p:nvSpPr>
-          <p:cNvPr id="248" name="Shape 248"/>
+          <p:cNvPr id="255" name="Shape 255"/>
           <p:cNvSpPr/>
           <p:nvPr>
             <p:ph idx="2" type="sldImg"/>
@@ -23762,6 +23858,122 @@
         </p:nvSpPr>
         <p:spPr>
           <a:xfrm>
+            <a:off x="1575150" y="414175"/>
+            <a:ext cx="3765300" cy="1157100"/>
+          </a:xfrm>
+          <a:prstGeom prst="rect">
+            <a:avLst/>
+          </a:prstGeom>
+        </p:spPr>
+        <p:txBody>
+          <a:bodyPr anchorCtr="0" anchor="b" bIns="91425" lIns="91425" rIns="91425" wrap="square" tIns="91425">
+            <a:noAutofit/>
+          </a:bodyPr>
+          <a:lstStyle/>
+          <a:p>
+            <a:pPr indent="0" lvl="0" marL="0">
+              <a:spcBef>
+                <a:spcPts val="0"/>
+              </a:spcBef>
+              <a:buNone/>
+            </a:pPr>
+            <a:r>
+              <a:rPr lang="en-US"/>
+              <a:t>Diseño RDF</a:t>
+            </a:r>
+          </a:p>
+        </p:txBody>
+      </p:sp>
+      <p:pic>
+        <p:nvPicPr>
+          <p:cNvPr id="239" name="Shape 239"/>
+          <p:cNvPicPr preferRelativeResize="0"/>
+          <p:nvPr/>
+        </p:nvPicPr>
+        <p:blipFill rotWithShape="1">
+          <a:blip r:embed="rId3">
+            <a:alphaModFix/>
+          </a:blip>
+          <a:srcRect b="7439" l="0" r="0" t="-7440"/>
+          <a:stretch/>
+        </p:blipFill>
+        <p:spPr>
+          <a:xfrm>
+            <a:off x="5888500" y="1852500"/>
+            <a:ext cx="5874025" cy="3717750"/>
+          </a:xfrm>
+          <a:prstGeom prst="rect">
+            <a:avLst/>
+          </a:prstGeom>
+          <a:noFill/>
+          <a:ln>
+            <a:noFill/>
+          </a:ln>
+        </p:spPr>
+      </p:pic>
+      <p:pic>
+        <p:nvPicPr>
+          <p:cNvPr id="240" name="Shape 240"/>
+          <p:cNvPicPr preferRelativeResize="0"/>
+          <p:nvPr/>
+        </p:nvPicPr>
+        <p:blipFill>
+          <a:blip r:embed="rId4">
+            <a:alphaModFix/>
+          </a:blip>
+          <a:stretch>
+            <a:fillRect/>
+          </a:stretch>
+        </p:blipFill>
+        <p:spPr>
+          <a:xfrm>
+            <a:off x="156175" y="2112375"/>
+            <a:ext cx="5790374" cy="2988350"/>
+          </a:xfrm>
+          <a:prstGeom prst="rect">
+            <a:avLst/>
+          </a:prstGeom>
+          <a:noFill/>
+          <a:ln>
+            <a:noFill/>
+          </a:ln>
+        </p:spPr>
+      </p:pic>
+    </p:spTree>
+  </p:cSld>
+  <p:clrMapOvr>
+    <a:masterClrMapping/>
+  </p:clrMapOvr>
+</p:sld>
+</file>
+
+<file path=ppt/slides/slide11.xml><?xml version="1.0" encoding="utf-8"?>
+<p:sld xmlns:a="http://schemas.openxmlformats.org/drawingml/2006/main" xmlns:r="http://schemas.openxmlformats.org/officeDocument/2006/relationships" xmlns:mc="http://schemas.openxmlformats.org/markup-compatibility/2006" xmlns:mv="urn:schemas-microsoft-com:mac:vml" xmlns:p="http://schemas.openxmlformats.org/presentationml/2006/main" xmlns:c="http://schemas.openxmlformats.org/drawingml/2006/chart" xmlns:dgm="http://schemas.openxmlformats.org/drawingml/2006/diagram" xmlns:o="urn:schemas-microsoft-com:office:office" xmlns:v="urn:schemas-microsoft-com:vml" xmlns:pvml="urn:schemas-microsoft-com:office:powerpoint" xmlns:com="http://schemas.openxmlformats.org/drawingml/2006/compatibility" xmlns:p14="http://schemas.microsoft.com/office/powerpoint/2010/main" xmlns:p15="http://schemas.microsoft.com/office/powerpoint/2012/main">
+  <p:cSld>
+    <p:spTree>
+      <p:nvGrpSpPr>
+        <p:cNvPr id="244" name="Shape 244"/>
+        <p:cNvGrpSpPr/>
+        <p:nvPr/>
+      </p:nvGrpSpPr>
+      <p:grpSpPr>
+        <a:xfrm>
+          <a:off x="0" y="0"/>
+          <a:ext cx="0" cy="0"/>
+          <a:chOff x="0" y="0"/>
+          <a:chExt cx="0" cy="0"/>
+        </a:xfrm>
+      </p:grpSpPr>
+      <p:sp>
+        <p:nvSpPr>
+          <p:cNvPr id="245" name="Shape 245"/>
+          <p:cNvSpPr txBox="1"/>
+          <p:nvPr>
+            <p:ph type="title"/>
+          </p:nvPr>
+        </p:nvSpPr>
+        <p:spPr>
+          <a:xfrm>
             <a:off x="1097280" y="286603"/>
             <a:ext cx="10058400" cy="1450800"/>
           </a:xfrm>
@@ -23790,7 +24002,7 @@
       </p:sp>
       <p:sp>
         <p:nvSpPr>
-          <p:cNvPr id="239" name="Shape 239"/>
+          <p:cNvPr id="246" name="Shape 246"/>
           <p:cNvSpPr txBox="1"/>
           <p:nvPr>
             <p:ph idx="1" type="body"/>
@@ -24144,12 +24356,12 @@
 </p:sld>
 </file>
 
-<file path=ppt/slides/slide11.xml><?xml version="1.0" encoding="utf-8"?>
+<file path=ppt/slides/slide12.xml><?xml version="1.0" encoding="utf-8"?>
 <p:sld xmlns:a="http://schemas.openxmlformats.org/drawingml/2006/main" xmlns:r="http://schemas.openxmlformats.org/officeDocument/2006/relationships" xmlns:mc="http://schemas.openxmlformats.org/markup-compatibility/2006" xmlns:mv="urn:schemas-microsoft-com:mac:vml" xmlns:p="http://schemas.openxmlformats.org/presentationml/2006/main" xmlns:c="http://schemas.openxmlformats.org/drawingml/2006/chart" xmlns:dgm="http://schemas.openxmlformats.org/drawingml/2006/diagram" xmlns:o="urn:schemas-microsoft-com:office:office" xmlns:v="urn:schemas-microsoft-com:vml" xmlns:pvml="urn:schemas-microsoft-com:office:powerpoint" xmlns:com="http://schemas.openxmlformats.org/drawingml/2006/compatibility" xmlns:p14="http://schemas.microsoft.com/office/powerpoint/2010/main" xmlns:p15="http://schemas.microsoft.com/office/powerpoint/2012/main">
   <p:cSld>
     <p:spTree>
       <p:nvGrpSpPr>
-        <p:cNvPr id="243" name="Shape 243"/>
+        <p:cNvPr id="250" name="Shape 250"/>
         <p:cNvGrpSpPr/>
         <p:nvPr/>
       </p:nvGrpSpPr>
@@ -24163,7 +24375,7 @@
       </p:grpSpPr>
       <p:sp>
         <p:nvSpPr>
-          <p:cNvPr id="244" name="Shape 244"/>
+          <p:cNvPr id="251" name="Shape 251"/>
           <p:cNvSpPr txBox="1"/>
           <p:nvPr>
             <p:ph type="title"/>
@@ -24219,7 +24431,7 @@
       </p:sp>
       <p:sp>
         <p:nvSpPr>
-          <p:cNvPr id="245" name="Shape 245"/>
+          <p:cNvPr id="252" name="Shape 252"/>
           <p:cNvSpPr txBox="1"/>
           <p:nvPr>
             <p:ph idx="1" type="body"/>
@@ -24346,12 +24558,12 @@
 </p:sld>
 </file>
 
-<file path=ppt/slides/slide12.xml><?xml version="1.0" encoding="utf-8"?>
+<file path=ppt/slides/slide13.xml><?xml version="1.0" encoding="utf-8"?>
 <p:sld xmlns:a="http://schemas.openxmlformats.org/drawingml/2006/main" xmlns:r="http://schemas.openxmlformats.org/officeDocument/2006/relationships" xmlns:mc="http://schemas.openxmlformats.org/markup-compatibility/2006" xmlns:mv="urn:schemas-microsoft-com:mac:vml" xmlns:p="http://schemas.openxmlformats.org/presentationml/2006/main" xmlns:c="http://schemas.openxmlformats.org/drawingml/2006/chart" xmlns:dgm="http://schemas.openxmlformats.org/drawingml/2006/diagram" xmlns:o="urn:schemas-microsoft-com:office:office" xmlns:v="urn:schemas-microsoft-com:vml" xmlns:pvml="urn:schemas-microsoft-com:office:powerpoint" xmlns:com="http://schemas.openxmlformats.org/drawingml/2006/compatibility" xmlns:p14="http://schemas.microsoft.com/office/powerpoint/2010/main" xmlns:p15="http://schemas.microsoft.com/office/powerpoint/2012/main">
   <p:cSld>
     <p:spTree>
       <p:nvGrpSpPr>
-        <p:cNvPr id="249" name="Shape 249"/>
+        <p:cNvPr id="256" name="Shape 256"/>
         <p:cNvGrpSpPr/>
         <p:nvPr/>
       </p:nvGrpSpPr>
@@ -24365,7 +24577,7 @@
       </p:grpSpPr>
       <p:sp>
         <p:nvSpPr>
-          <p:cNvPr id="250" name="Shape 250"/>
+          <p:cNvPr id="257" name="Shape 257"/>
           <p:cNvSpPr txBox="1"/>
           <p:nvPr>
             <p:ph type="ctrTitle"/>
